--- a/SINNO_CORE_ADJUSTMENT/PROJECT_CONDENSE_STRUCTURE/Vấn đề 1/Vấn đề 1.pptx
+++ b/SINNO_CORE_ADJUSTMENT/PROJECT_CONDENSE_STRUCTURE/Vấn đề 1/Vấn đề 1.pptx
@@ -262,7 +262,7 @@
           <a:p>
             <a:fld id="{69FE2EEC-31B1-4F2F-913F-F501B779433B}" type="datetimeFigureOut">
               <a:rPr lang="en-US" smtClean="0"/>
-              <a:t>2/4/2021</a:t>
+              <a:t>2/18/2021</a:t>
             </a:fld>
             <a:endParaRPr lang="en-US"/>
           </a:p>
@@ -460,7 +460,7 @@
           <a:p>
             <a:fld id="{69FE2EEC-31B1-4F2F-913F-F501B779433B}" type="datetimeFigureOut">
               <a:rPr lang="en-US" smtClean="0"/>
-              <a:t>2/4/2021</a:t>
+              <a:t>2/18/2021</a:t>
             </a:fld>
             <a:endParaRPr lang="en-US"/>
           </a:p>
@@ -668,7 +668,7 @@
           <a:p>
             <a:fld id="{69FE2EEC-31B1-4F2F-913F-F501B779433B}" type="datetimeFigureOut">
               <a:rPr lang="en-US" smtClean="0"/>
-              <a:t>2/4/2021</a:t>
+              <a:t>2/18/2021</a:t>
             </a:fld>
             <a:endParaRPr lang="en-US"/>
           </a:p>
@@ -866,7 +866,7 @@
           <a:p>
             <a:fld id="{69FE2EEC-31B1-4F2F-913F-F501B779433B}" type="datetimeFigureOut">
               <a:rPr lang="en-US" smtClean="0"/>
-              <a:t>2/4/2021</a:t>
+              <a:t>2/18/2021</a:t>
             </a:fld>
             <a:endParaRPr lang="en-US"/>
           </a:p>
@@ -1141,7 +1141,7 @@
           <a:p>
             <a:fld id="{69FE2EEC-31B1-4F2F-913F-F501B779433B}" type="datetimeFigureOut">
               <a:rPr lang="en-US" smtClean="0"/>
-              <a:t>2/4/2021</a:t>
+              <a:t>2/18/2021</a:t>
             </a:fld>
             <a:endParaRPr lang="en-US"/>
           </a:p>
@@ -1406,7 +1406,7 @@
           <a:p>
             <a:fld id="{69FE2EEC-31B1-4F2F-913F-F501B779433B}" type="datetimeFigureOut">
               <a:rPr lang="en-US" smtClean="0"/>
-              <a:t>2/4/2021</a:t>
+              <a:t>2/18/2021</a:t>
             </a:fld>
             <a:endParaRPr lang="en-US"/>
           </a:p>
@@ -1818,7 +1818,7 @@
           <a:p>
             <a:fld id="{69FE2EEC-31B1-4F2F-913F-F501B779433B}" type="datetimeFigureOut">
               <a:rPr lang="en-US" smtClean="0"/>
-              <a:t>2/4/2021</a:t>
+              <a:t>2/18/2021</a:t>
             </a:fld>
             <a:endParaRPr lang="en-US"/>
           </a:p>
@@ -1959,7 +1959,7 @@
           <a:p>
             <a:fld id="{69FE2EEC-31B1-4F2F-913F-F501B779433B}" type="datetimeFigureOut">
               <a:rPr lang="en-US" smtClean="0"/>
-              <a:t>2/4/2021</a:t>
+              <a:t>2/18/2021</a:t>
             </a:fld>
             <a:endParaRPr lang="en-US"/>
           </a:p>
@@ -2072,7 +2072,7 @@
           <a:p>
             <a:fld id="{69FE2EEC-31B1-4F2F-913F-F501B779433B}" type="datetimeFigureOut">
               <a:rPr lang="en-US" smtClean="0"/>
-              <a:t>2/4/2021</a:t>
+              <a:t>2/18/2021</a:t>
             </a:fld>
             <a:endParaRPr lang="en-US"/>
           </a:p>
@@ -2383,7 +2383,7 @@
           <a:p>
             <a:fld id="{69FE2EEC-31B1-4F2F-913F-F501B779433B}" type="datetimeFigureOut">
               <a:rPr lang="en-US" smtClean="0"/>
-              <a:t>2/4/2021</a:t>
+              <a:t>2/18/2021</a:t>
             </a:fld>
             <a:endParaRPr lang="en-US"/>
           </a:p>
@@ -2671,7 +2671,7 @@
           <a:p>
             <a:fld id="{69FE2EEC-31B1-4F2F-913F-F501B779433B}" type="datetimeFigureOut">
               <a:rPr lang="en-US" smtClean="0"/>
-              <a:t>2/4/2021</a:t>
+              <a:t>2/18/2021</a:t>
             </a:fld>
             <a:endParaRPr lang="en-US"/>
           </a:p>
@@ -2912,7 +2912,7 @@
           <a:p>
             <a:fld id="{69FE2EEC-31B1-4F2F-913F-F501B779433B}" type="datetimeFigureOut">
               <a:rPr lang="en-US" smtClean="0"/>
-              <a:t>2/4/2021</a:t>
+              <a:t>2/18/2021</a:t>
             </a:fld>
             <a:endParaRPr lang="en-US"/>
           </a:p>
@@ -3392,80 +3392,6 @@
           <a:p>
             <a:r>
               <a:rPr lang="en-US" dirty="0" err="1"/>
-              <a:t>Mọi</a:t>
-            </a:r>
-            <a:r>
-              <a:rPr lang="en-US" dirty="0"/>
-              <a:t> </a:t>
-            </a:r>
-            <a:r>
-              <a:rPr lang="en-US" dirty="0" err="1"/>
-              <a:t>thành</a:t>
-            </a:r>
-            <a:r>
-              <a:rPr lang="en-US" dirty="0"/>
-              <a:t> </a:t>
-            </a:r>
-            <a:r>
-              <a:rPr lang="en-US" dirty="0" err="1"/>
-              <a:t>viên</a:t>
-            </a:r>
-            <a:r>
-              <a:rPr lang="en-US" dirty="0"/>
-              <a:t> ban A </a:t>
-            </a:r>
-            <a:r>
-              <a:rPr lang="en-US" dirty="0" err="1"/>
-              <a:t>không</a:t>
-            </a:r>
-            <a:r>
-              <a:rPr lang="en-US" dirty="0"/>
-              <a:t> </a:t>
-            </a:r>
-            <a:r>
-              <a:rPr lang="en-US" dirty="0" err="1"/>
-              <a:t>biết</a:t>
-            </a:r>
-            <a:r>
-              <a:rPr lang="en-US" dirty="0"/>
-              <a:t> </a:t>
-            </a:r>
-            <a:r>
-              <a:rPr lang="en-US" dirty="0" err="1"/>
-              <a:t>gì</a:t>
-            </a:r>
-            <a:r>
-              <a:rPr lang="en-US" dirty="0"/>
-              <a:t> </a:t>
-            </a:r>
-            <a:r>
-              <a:rPr lang="en-US" dirty="0" err="1"/>
-              <a:t>mọi</a:t>
-            </a:r>
-            <a:r>
-              <a:rPr lang="en-US" dirty="0"/>
-              <a:t> </a:t>
-            </a:r>
-            <a:r>
-              <a:rPr lang="en-US" dirty="0" err="1"/>
-              <a:t>thành</a:t>
-            </a:r>
-            <a:r>
-              <a:rPr lang="en-US" dirty="0"/>
-              <a:t> </a:t>
-            </a:r>
-            <a:r>
-              <a:rPr lang="en-US" dirty="0" err="1"/>
-              <a:t>viên</a:t>
-            </a:r>
-            <a:r>
-              <a:rPr lang="en-US" dirty="0"/>
-              <a:t> ban B</a:t>
-            </a:r>
-          </a:p>
-          <a:p>
-            <a:r>
-              <a:rPr lang="en-US" dirty="0" err="1"/>
               <a:t>Tình</a:t>
             </a:r>
             <a:r>
@@ -3482,6 +3408,80 @@
             </a:r>
             <a:r>
               <a:rPr lang="en-US" dirty="0" err="1"/>
+              <a:t>thiếu</a:t>
+            </a:r>
+            <a:r>
+              <a:rPr lang="en-US" dirty="0"/>
+              <a:t> </a:t>
+            </a:r>
+            <a:r>
+              <a:rPr lang="en-US" dirty="0" err="1"/>
+              <a:t>hiệu</a:t>
+            </a:r>
+            <a:r>
+              <a:rPr lang="en-US" dirty="0"/>
+              <a:t> </a:t>
+            </a:r>
+            <a:r>
+              <a:rPr lang="en-US" dirty="0" err="1"/>
+              <a:t>quả</a:t>
+            </a:r>
+            <a:r>
+              <a:rPr lang="en-US" dirty="0"/>
+              <a:t> </a:t>
+            </a:r>
+            <a:r>
+              <a:rPr lang="en-US" dirty="0" err="1"/>
+              <a:t>trong</a:t>
+            </a:r>
+            <a:r>
+              <a:rPr lang="en-US" dirty="0"/>
+              <a:t> </a:t>
+            </a:r>
+            <a:r>
+              <a:rPr lang="en-US" dirty="0" err="1"/>
+              <a:t>truyền</a:t>
+            </a:r>
+            <a:r>
+              <a:rPr lang="en-US" dirty="0"/>
+              <a:t> </a:t>
+            </a:r>
+            <a:r>
+              <a:rPr lang="en-US" dirty="0" err="1"/>
+              <a:t>đạt</a:t>
+            </a:r>
+            <a:r>
+              <a:rPr lang="en-US" dirty="0"/>
+              <a:t> </a:t>
+            </a:r>
+            <a:r>
+              <a:rPr lang="en-US" dirty="0" err="1"/>
+              <a:t>thông</a:t>
+            </a:r>
+            <a:r>
+              <a:rPr lang="en-US" dirty="0"/>
+              <a:t> tin</a:t>
+            </a:r>
+          </a:p>
+          <a:p>
+            <a:r>
+              <a:rPr lang="en-US" dirty="0" err="1"/>
+              <a:t>Tình</a:t>
+            </a:r>
+            <a:r>
+              <a:rPr lang="en-US" dirty="0"/>
+              <a:t> </a:t>
+            </a:r>
+            <a:r>
+              <a:rPr lang="en-US" dirty="0" err="1"/>
+              <a:t>trạng</a:t>
+            </a:r>
+            <a:r>
+              <a:rPr lang="en-US" dirty="0"/>
+              <a:t> </a:t>
+            </a:r>
+            <a:r>
+              <a:rPr lang="en-US" dirty="0" err="1"/>
               <a:t>cát</a:t>
             </a:r>
             <a:r>
@@ -3508,26 +3508,7 @@
               <a:rPr lang="en-US" dirty="0" err="1"/>
               <a:t>rạc</a:t>
             </a:r>
-            <a:r>
-              <a:rPr lang="en-US" dirty="0"/>
-              <a:t> </a:t>
-            </a:r>
-            <a:r>
-              <a:rPr lang="en-US" dirty="0" err="1"/>
-              <a:t>của</a:t>
-            </a:r>
-            <a:r>
-              <a:rPr lang="en-US" dirty="0"/>
-              <a:t> </a:t>
-            </a:r>
-            <a:r>
-              <a:rPr lang="en-US" dirty="0" err="1"/>
-              <a:t>các</a:t>
-            </a:r>
-            <a:r>
-              <a:rPr lang="en-US" dirty="0"/>
-              <a:t> ban</a:t>
-            </a:r>
+            <a:endParaRPr lang="en-US" dirty="0"/>
           </a:p>
         </p:txBody>
       </p:sp>
@@ -5119,14 +5100,6 @@
             </a:r>
             <a:r>
               <a:rPr lang="en-US" dirty="0" err="1"/>
-              <a:t>trên</a:t>
-            </a:r>
-            <a:r>
-              <a:rPr lang="en-US" dirty="0"/>
-              <a:t> Facebook </a:t>
-            </a:r>
-            <a:r>
-              <a:rPr lang="en-US" dirty="0" err="1"/>
               <a:t>đóng</a:t>
             </a:r>
             <a:r>
@@ -5473,7 +5446,7 @@
           <a:p>
             <a:r>
               <a:rPr lang="en-US" sz="2800" dirty="0" err="1"/>
-              <a:t>Giải</a:t>
+              <a:t>Cô</a:t>
             </a:r>
             <a:r>
               <a:rPr lang="en-US" sz="2800" dirty="0"/>
@@ -5481,19 +5454,19 @@
             </a:r>
             <a:r>
               <a:rPr lang="en-US" sz="2800" dirty="0" err="1"/>
-              <a:t>pháp</a:t>
+              <a:t>đọng</a:t>
             </a:r>
             <a:r>
               <a:rPr lang="en-US" sz="2800" dirty="0"/>
-              <a:t> 1: </a:t>
+              <a:t> </a:t>
             </a:r>
             <a:r>
               <a:rPr lang="en-US" sz="2800" dirty="0" err="1"/>
-              <a:t>Nhóm</a:t>
+              <a:t>nhóm</a:t>
             </a:r>
             <a:r>
               <a:rPr lang="en-US" sz="2800" dirty="0"/>
-              <a:t> chat Facebook</a:t>
+              <a:t> chat</a:t>
             </a:r>
           </a:p>
         </p:txBody>
